--- a/09-Adaptive-Design.pptx
+++ b/09-Adaptive-Design.pptx
@@ -231,7 +231,7 @@
           <a:p>
             <a:fld id="{2E054F57-E93D-4CC3-8A27-2F256E70BB98}" type="datetimeFigureOut">
               <a:rPr lang="en-US" smtClean="0"/>
-              <a:t>20 Aug 15</a:t>
+              <a:t>21 Aug 15</a:t>
             </a:fld>
             <a:endParaRPr lang="en-US"/>
           </a:p>
@@ -680,7 +680,7 @@
           <a:p>
             <a:fld id="{3EA744D9-3FBE-48D8-BF2A-85DF203E4D20}" type="datetimeFigureOut">
               <a:rPr lang="bg-BG" smtClean="0"/>
-              <a:t>20.8.2015 г.</a:t>
+              <a:t>21.8.2015 г.</a:t>
             </a:fld>
             <a:endParaRPr lang="bg-BG"/>
           </a:p>
@@ -850,7 +850,7 @@
           <a:p>
             <a:fld id="{3EA744D9-3FBE-48D8-BF2A-85DF203E4D20}" type="datetimeFigureOut">
               <a:rPr lang="bg-BG" smtClean="0"/>
-              <a:t>20.8.2015 г.</a:t>
+              <a:t>21.8.2015 г.</a:t>
             </a:fld>
             <a:endParaRPr lang="bg-BG"/>
           </a:p>
@@ -1030,7 +1030,7 @@
           <a:p>
             <a:fld id="{3EA744D9-3FBE-48D8-BF2A-85DF203E4D20}" type="datetimeFigureOut">
               <a:rPr lang="bg-BG" smtClean="0"/>
-              <a:t>20.8.2015 г.</a:t>
+              <a:t>21.8.2015 г.</a:t>
             </a:fld>
             <a:endParaRPr lang="bg-BG"/>
           </a:p>
@@ -1200,7 +1200,7 @@
           <a:p>
             <a:fld id="{3EA744D9-3FBE-48D8-BF2A-85DF203E4D20}" type="datetimeFigureOut">
               <a:rPr lang="bg-BG" smtClean="0"/>
-              <a:t>20.8.2015 г.</a:t>
+              <a:t>21.8.2015 г.</a:t>
             </a:fld>
             <a:endParaRPr lang="bg-BG"/>
           </a:p>
@@ -1446,7 +1446,7 @@
           <a:p>
             <a:fld id="{3EA744D9-3FBE-48D8-BF2A-85DF203E4D20}" type="datetimeFigureOut">
               <a:rPr lang="bg-BG" smtClean="0"/>
-              <a:t>20.8.2015 г.</a:t>
+              <a:t>21.8.2015 г.</a:t>
             </a:fld>
             <a:endParaRPr lang="bg-BG"/>
           </a:p>
@@ -1734,7 +1734,7 @@
           <a:p>
             <a:fld id="{3EA744D9-3FBE-48D8-BF2A-85DF203E4D20}" type="datetimeFigureOut">
               <a:rPr lang="bg-BG" smtClean="0"/>
-              <a:t>20.8.2015 г.</a:t>
+              <a:t>21.8.2015 г.</a:t>
             </a:fld>
             <a:endParaRPr lang="bg-BG"/>
           </a:p>
@@ -2156,7 +2156,7 @@
           <a:p>
             <a:fld id="{3EA744D9-3FBE-48D8-BF2A-85DF203E4D20}" type="datetimeFigureOut">
               <a:rPr lang="bg-BG" smtClean="0"/>
-              <a:t>20.8.2015 г.</a:t>
+              <a:t>21.8.2015 г.</a:t>
             </a:fld>
             <a:endParaRPr lang="bg-BG"/>
           </a:p>
@@ -2274,7 +2274,7 @@
           <a:p>
             <a:fld id="{3EA744D9-3FBE-48D8-BF2A-85DF203E4D20}" type="datetimeFigureOut">
               <a:rPr lang="bg-BG" smtClean="0"/>
-              <a:t>20.8.2015 г.</a:t>
+              <a:t>21.8.2015 г.</a:t>
             </a:fld>
             <a:endParaRPr lang="bg-BG"/>
           </a:p>
@@ -2369,7 +2369,7 @@
           <a:p>
             <a:fld id="{3EA744D9-3FBE-48D8-BF2A-85DF203E4D20}" type="datetimeFigureOut">
               <a:rPr lang="bg-BG" smtClean="0"/>
-              <a:t>20.8.2015 г.</a:t>
+              <a:t>21.8.2015 г.</a:t>
             </a:fld>
             <a:endParaRPr lang="bg-BG"/>
           </a:p>
@@ -2646,7 +2646,7 @@
           <a:p>
             <a:fld id="{3EA744D9-3FBE-48D8-BF2A-85DF203E4D20}" type="datetimeFigureOut">
               <a:rPr lang="bg-BG" smtClean="0"/>
-              <a:t>20.8.2015 г.</a:t>
+              <a:t>21.8.2015 г.</a:t>
             </a:fld>
             <a:endParaRPr lang="bg-BG"/>
           </a:p>
@@ -2899,7 +2899,7 @@
           <a:p>
             <a:fld id="{3EA744D9-3FBE-48D8-BF2A-85DF203E4D20}" type="datetimeFigureOut">
               <a:rPr lang="bg-BG" smtClean="0"/>
-              <a:t>20.8.2015 г.</a:t>
+              <a:t>21.8.2015 г.</a:t>
             </a:fld>
             <a:endParaRPr lang="bg-BG"/>
           </a:p>
@@ -3121,7 +3121,7 @@
           <a:p>
             <a:fld id="{3EA744D9-3FBE-48D8-BF2A-85DF203E4D20}" type="datetimeFigureOut">
               <a:rPr lang="bg-BG" smtClean="0"/>
-              <a:t>20.8.2015 г.</a:t>
+              <a:t>21.8.2015 г.</a:t>
             </a:fld>
             <a:endParaRPr lang="bg-BG"/>
           </a:p>
@@ -4710,23 +4710,7 @@
                   <a:schemeClr val="bg1"/>
                 </a:solidFill>
               </a:rPr>
-              <a:t>Съдържанието на сайта ни не трябва да бъде </a:t>
-            </a:r>
-            <a:r>
-              <a:rPr lang="bg-BG" dirty="0" smtClean="0">
-                <a:solidFill>
-                  <a:schemeClr val="bg1"/>
-                </a:solidFill>
-              </a:rPr>
-              <a:t>с голяма широчина</a:t>
-            </a:r>
-            <a:r>
-              <a:rPr lang="bg-BG" dirty="0" smtClean="0">
-                <a:solidFill>
-                  <a:schemeClr val="bg1"/>
-                </a:solidFill>
-              </a:rPr>
-              <a:t>(&gt;1200</a:t>
+              <a:t>Съдържанието на сайта ни не трябва да бъде с голяма широчина(&gt;1200</a:t>
             </a:r>
             <a:r>
               <a:rPr lang="en-US" dirty="0" err="1" smtClean="0">
@@ -5461,7 +5445,74 @@
                 <a:latin typeface="Courier New" panose="02070309020205020404" pitchFamily="49" charset="0"/>
                 <a:cs typeface="Courier New" panose="02070309020205020404" pitchFamily="49" charset="0"/>
               </a:rPr>
-              <a:t>@media </a:t>
+              <a:t>.wrapper {</a:t>
+            </a:r>
+          </a:p>
+          <a:p>
+            <a:pPr marL="0" indent="0">
+              <a:buNone/>
+            </a:pPr>
+            <a:r>
+              <a:rPr lang="en-US" sz="1500" dirty="0" smtClean="0">
+                <a:solidFill>
+                  <a:schemeClr val="bg1"/>
+                </a:solidFill>
+                <a:latin typeface="Courier New" panose="02070309020205020404" pitchFamily="49" charset="0"/>
+                <a:cs typeface="Courier New" panose="02070309020205020404" pitchFamily="49" charset="0"/>
+              </a:rPr>
+              <a:t>    width: 960px;</a:t>
+            </a:r>
+          </a:p>
+          <a:p>
+            <a:pPr marL="0" indent="0">
+              <a:buNone/>
+            </a:pPr>
+            <a:r>
+              <a:rPr lang="en-US" sz="1500" smtClean="0">
+                <a:solidFill>
+                  <a:schemeClr val="bg1"/>
+                </a:solidFill>
+                <a:latin typeface="Courier New" panose="02070309020205020404" pitchFamily="49" charset="0"/>
+                <a:cs typeface="Courier New" panose="02070309020205020404" pitchFamily="49" charset="0"/>
+              </a:rPr>
+              <a:t>}</a:t>
+            </a:r>
+          </a:p>
+          <a:p>
+            <a:pPr marL="0" indent="0">
+              <a:buNone/>
+            </a:pPr>
+            <a:endParaRPr lang="en-US" sz="1500" smtClean="0">
+              <a:solidFill>
+                <a:schemeClr val="bg1"/>
+              </a:solidFill>
+              <a:latin typeface="Courier New" panose="02070309020205020404" pitchFamily="49" charset="0"/>
+              <a:cs typeface="Courier New" panose="02070309020205020404" pitchFamily="49" charset="0"/>
+            </a:endParaRPr>
+          </a:p>
+          <a:p>
+            <a:pPr marL="0" indent="0">
+              <a:buNone/>
+            </a:pPr>
+            <a:r>
+              <a:rPr lang="en-US" sz="1500" dirty="0" smtClean="0">
+                <a:solidFill>
+                  <a:schemeClr val="bg1"/>
+                </a:solidFill>
+                <a:latin typeface="Courier New" panose="02070309020205020404" pitchFamily="49" charset="0"/>
+                <a:cs typeface="Courier New" panose="02070309020205020404" pitchFamily="49" charset="0"/>
+              </a:rPr>
+              <a:t>@</a:t>
+            </a:r>
+            <a:r>
+              <a:rPr lang="en-US" sz="1500" dirty="0" smtClean="0">
+                <a:solidFill>
+                  <a:schemeClr val="bg1"/>
+                </a:solidFill>
+                <a:latin typeface="Courier New" panose="02070309020205020404" pitchFamily="49" charset="0"/>
+                <a:cs typeface="Courier New" panose="02070309020205020404" pitchFamily="49" charset="0"/>
+              </a:rPr>
+              <a:t>media </a:t>
             </a:r>
             <a:r>
               <a:rPr lang="en-US" sz="1500" dirty="0">

--- a/09-Adaptive-Design.pptx
+++ b/09-Adaptive-Design.pptx
@@ -231,7 +231,7 @@
           <a:p>
             <a:fld id="{2E054F57-E93D-4CC3-8A27-2F256E70BB98}" type="datetimeFigureOut">
               <a:rPr lang="en-US" smtClean="0"/>
-              <a:t>21 Aug 15</a:t>
+              <a:t>22 Aug 15</a:t>
             </a:fld>
             <a:endParaRPr lang="en-US"/>
           </a:p>
@@ -680,7 +680,7 @@
           <a:p>
             <a:fld id="{3EA744D9-3FBE-48D8-BF2A-85DF203E4D20}" type="datetimeFigureOut">
               <a:rPr lang="bg-BG" smtClean="0"/>
-              <a:t>21.8.2015 г.</a:t>
+              <a:t>22.8.2015 г.</a:t>
             </a:fld>
             <a:endParaRPr lang="bg-BG"/>
           </a:p>
@@ -850,7 +850,7 @@
           <a:p>
             <a:fld id="{3EA744D9-3FBE-48D8-BF2A-85DF203E4D20}" type="datetimeFigureOut">
               <a:rPr lang="bg-BG" smtClean="0"/>
-              <a:t>21.8.2015 г.</a:t>
+              <a:t>22.8.2015 г.</a:t>
             </a:fld>
             <a:endParaRPr lang="bg-BG"/>
           </a:p>
@@ -1030,7 +1030,7 @@
           <a:p>
             <a:fld id="{3EA744D9-3FBE-48D8-BF2A-85DF203E4D20}" type="datetimeFigureOut">
               <a:rPr lang="bg-BG" smtClean="0"/>
-              <a:t>21.8.2015 г.</a:t>
+              <a:t>22.8.2015 г.</a:t>
             </a:fld>
             <a:endParaRPr lang="bg-BG"/>
           </a:p>
@@ -1200,7 +1200,7 @@
           <a:p>
             <a:fld id="{3EA744D9-3FBE-48D8-BF2A-85DF203E4D20}" type="datetimeFigureOut">
               <a:rPr lang="bg-BG" smtClean="0"/>
-              <a:t>21.8.2015 г.</a:t>
+              <a:t>22.8.2015 г.</a:t>
             </a:fld>
             <a:endParaRPr lang="bg-BG"/>
           </a:p>
@@ -1446,7 +1446,7 @@
           <a:p>
             <a:fld id="{3EA744D9-3FBE-48D8-BF2A-85DF203E4D20}" type="datetimeFigureOut">
               <a:rPr lang="bg-BG" smtClean="0"/>
-              <a:t>21.8.2015 г.</a:t>
+              <a:t>22.8.2015 г.</a:t>
             </a:fld>
             <a:endParaRPr lang="bg-BG"/>
           </a:p>
@@ -1734,7 +1734,7 @@
           <a:p>
             <a:fld id="{3EA744D9-3FBE-48D8-BF2A-85DF203E4D20}" type="datetimeFigureOut">
               <a:rPr lang="bg-BG" smtClean="0"/>
-              <a:t>21.8.2015 г.</a:t>
+              <a:t>22.8.2015 г.</a:t>
             </a:fld>
             <a:endParaRPr lang="bg-BG"/>
           </a:p>
@@ -2156,7 +2156,7 @@
           <a:p>
             <a:fld id="{3EA744D9-3FBE-48D8-BF2A-85DF203E4D20}" type="datetimeFigureOut">
               <a:rPr lang="bg-BG" smtClean="0"/>
-              <a:t>21.8.2015 г.</a:t>
+              <a:t>22.8.2015 г.</a:t>
             </a:fld>
             <a:endParaRPr lang="bg-BG"/>
           </a:p>
@@ -2274,7 +2274,7 @@
           <a:p>
             <a:fld id="{3EA744D9-3FBE-48D8-BF2A-85DF203E4D20}" type="datetimeFigureOut">
               <a:rPr lang="bg-BG" smtClean="0"/>
-              <a:t>21.8.2015 г.</a:t>
+              <a:t>22.8.2015 г.</a:t>
             </a:fld>
             <a:endParaRPr lang="bg-BG"/>
           </a:p>
@@ -2369,7 +2369,7 @@
           <a:p>
             <a:fld id="{3EA744D9-3FBE-48D8-BF2A-85DF203E4D20}" type="datetimeFigureOut">
               <a:rPr lang="bg-BG" smtClean="0"/>
-              <a:t>21.8.2015 г.</a:t>
+              <a:t>22.8.2015 г.</a:t>
             </a:fld>
             <a:endParaRPr lang="bg-BG"/>
           </a:p>
@@ -2646,7 +2646,7 @@
           <a:p>
             <a:fld id="{3EA744D9-3FBE-48D8-BF2A-85DF203E4D20}" type="datetimeFigureOut">
               <a:rPr lang="bg-BG" smtClean="0"/>
-              <a:t>21.8.2015 г.</a:t>
+              <a:t>22.8.2015 г.</a:t>
             </a:fld>
             <a:endParaRPr lang="bg-BG"/>
           </a:p>
@@ -2899,7 +2899,7 @@
           <a:p>
             <a:fld id="{3EA744D9-3FBE-48D8-BF2A-85DF203E4D20}" type="datetimeFigureOut">
               <a:rPr lang="bg-BG" smtClean="0"/>
-              <a:t>21.8.2015 г.</a:t>
+              <a:t>22.8.2015 г.</a:t>
             </a:fld>
             <a:endParaRPr lang="bg-BG"/>
           </a:p>
@@ -3121,7 +3121,7 @@
           <a:p>
             <a:fld id="{3EA744D9-3FBE-48D8-BF2A-85DF203E4D20}" type="datetimeFigureOut">
               <a:rPr lang="bg-BG" smtClean="0"/>
-              <a:t>21.8.2015 г.</a:t>
+              <a:t>22.8.2015 г.</a:t>
             </a:fld>
             <a:endParaRPr lang="bg-BG"/>
           </a:p>
@@ -3917,9 +3917,149 @@
           </a:bodyPr>
           <a:lstStyle/>
           <a:p>
-            <a:pPr marL="0" indent="0">
-              <a:buNone/>
+            <a:pPr marL="457200" indent="-457200">
+              <a:buAutoNum type="arabicPeriod"/>
             </a:pPr>
+            <a:r>
+              <a:rPr lang="bg-BG" sz="2000" b="1" dirty="0" smtClean="0">
+                <a:solidFill>
+                  <a:schemeClr val="bg1">
+                    <a:lumMod val="95000"/>
+                  </a:schemeClr>
+                </a:solidFill>
+              </a:rPr>
+              <a:t>Направете сайт, пригоден за десктоп браузъри, който изглежда както дизайна в </a:t>
+            </a:r>
+            <a:r>
+              <a:rPr lang="en-US" sz="2000" b="1" dirty="0" smtClean="0">
+                <a:solidFill>
+                  <a:schemeClr val="bg1">
+                    <a:lumMod val="95000"/>
+                  </a:schemeClr>
+                </a:solidFill>
+              </a:rPr>
+              <a:t>09-Adaptive-Design-Tasks\task_desktop.png</a:t>
+            </a:r>
+          </a:p>
+          <a:p>
+            <a:pPr marL="457200" indent="-457200">
+              <a:buAutoNum type="arabicPeriod"/>
+            </a:pPr>
+            <a:r>
+              <a:rPr lang="bg-BG" sz="2000" b="1" dirty="0" smtClean="0">
+                <a:solidFill>
+                  <a:schemeClr val="bg1">
+                    <a:lumMod val="95000"/>
+                  </a:schemeClr>
+                </a:solidFill>
+              </a:rPr>
+              <a:t>Използвайки наученото за адаптивния дизайн, направете вече готовия десктоп сайт да изглежда</a:t>
+            </a:r>
+            <a:r>
+              <a:rPr lang="en-US" sz="2000" b="1" dirty="0" smtClean="0">
+                <a:solidFill>
+                  <a:schemeClr val="bg1">
+                    <a:lumMod val="95000"/>
+                  </a:schemeClr>
+                </a:solidFill>
+              </a:rPr>
+              <a:t>,</a:t>
+            </a:r>
+            <a:r>
+              <a:rPr lang="bg-BG" sz="2000" b="1" dirty="0" smtClean="0">
+                <a:solidFill>
+                  <a:schemeClr val="bg1">
+                    <a:lumMod val="95000"/>
+                  </a:schemeClr>
+                </a:solidFill>
+              </a:rPr>
+              <a:t> както дизайна в </a:t>
+            </a:r>
+            <a:r>
+              <a:rPr lang="en-US" sz="2000" b="1" dirty="0" smtClean="0">
+                <a:solidFill>
+                  <a:schemeClr val="bg1">
+                    <a:lumMod val="95000"/>
+                  </a:schemeClr>
+                </a:solidFill>
+              </a:rPr>
+              <a:t>09-Adaptive-Design-Tasks\task_tablet.png </a:t>
+            </a:r>
+            <a:r>
+              <a:rPr lang="bg-BG" sz="2000" b="1" dirty="0" smtClean="0">
+                <a:solidFill>
+                  <a:schemeClr val="bg1">
+                    <a:lumMod val="95000"/>
+                  </a:schemeClr>
+                </a:solidFill>
+              </a:rPr>
+              <a:t>при ширина по-малка от 768</a:t>
+            </a:r>
+            <a:r>
+              <a:rPr lang="en-US" sz="2000" b="1" dirty="0" err="1" smtClean="0">
+                <a:solidFill>
+                  <a:schemeClr val="bg1">
+                    <a:lumMod val="95000"/>
+                  </a:schemeClr>
+                </a:solidFill>
+              </a:rPr>
+              <a:t>px</a:t>
+            </a:r>
+            <a:r>
+              <a:rPr lang="en-US" sz="2000" b="1" dirty="0" smtClean="0">
+                <a:solidFill>
+                  <a:schemeClr val="bg1">
+                    <a:lumMod val="95000"/>
+                  </a:schemeClr>
+                </a:solidFill>
+              </a:rPr>
+              <a:t>.</a:t>
+            </a:r>
+          </a:p>
+          <a:p>
+            <a:pPr marL="457200" indent="-457200">
+              <a:buAutoNum type="arabicPeriod"/>
+            </a:pPr>
+            <a:r>
+              <a:rPr lang="bg-BG" sz="2000" b="1" dirty="0" smtClean="0">
+                <a:solidFill>
+                  <a:schemeClr val="bg1">
+                    <a:lumMod val="95000"/>
+                  </a:schemeClr>
+                </a:solidFill>
+              </a:rPr>
+              <a:t>Бонус задача – за устройства с ширина по-малка от 480</a:t>
+            </a:r>
+            <a:r>
+              <a:rPr lang="en-US" sz="2000" b="1" dirty="0" err="1" smtClean="0">
+                <a:solidFill>
+                  <a:schemeClr val="bg1">
+                    <a:lumMod val="95000"/>
+                  </a:schemeClr>
+                </a:solidFill>
+              </a:rPr>
+              <a:t>px</a:t>
+            </a:r>
+            <a:r>
+              <a:rPr lang="en-US" sz="2000" b="1" dirty="0" smtClean="0">
+                <a:solidFill>
+                  <a:schemeClr val="bg1">
+                    <a:lumMod val="95000"/>
+                  </a:schemeClr>
+                </a:solidFill>
+              </a:rPr>
+              <a:t>, </a:t>
+            </a:r>
+            <a:r>
+              <a:rPr lang="bg-BG" sz="2000" b="1" dirty="0" smtClean="0">
+                <a:solidFill>
+                  <a:schemeClr val="bg1">
+                    <a:lumMod val="95000"/>
+                  </a:schemeClr>
+                </a:solidFill>
+              </a:rPr>
+              <a:t>направете основната навигация да бъде скрита и да се показва т.нар. хамбургер бутон(упражнено на лекцията).</a:t>
+            </a:r>
             <a:endParaRPr lang="bg-BG" sz="2000" b="1" dirty="0" smtClean="0">
               <a:solidFill>
                 <a:schemeClr val="bg1">
@@ -5502,17 +5642,7 @@
                 <a:latin typeface="Courier New" panose="02070309020205020404" pitchFamily="49" charset="0"/>
                 <a:cs typeface="Courier New" panose="02070309020205020404" pitchFamily="49" charset="0"/>
               </a:rPr>
-              <a:t>@</a:t>
-            </a:r>
-            <a:r>
-              <a:rPr lang="en-US" sz="1500" dirty="0" smtClean="0">
-                <a:solidFill>
-                  <a:schemeClr val="bg1"/>
-                </a:solidFill>
-                <a:latin typeface="Courier New" panose="02070309020205020404" pitchFamily="49" charset="0"/>
-                <a:cs typeface="Courier New" panose="02070309020205020404" pitchFamily="49" charset="0"/>
-              </a:rPr>
-              <a:t>media </a:t>
+              <a:t>@media </a:t>
             </a:r>
             <a:r>
               <a:rPr lang="en-US" sz="1500" dirty="0">
